--- a/notes/searching.pptx
+++ b/notes/searching.pptx
@@ -228,7 +228,7 @@
           <a:p>
             <a:fld id="{8A1B613A-EFF1-404F-BEE8-EFAE84A4E5E2}" type="datetimeFigureOut">
               <a:rPr lang="en-US" smtClean="0"/>
-              <a:t>2/24/22</a:t>
+              <a:t>1/25/2023</a:t>
             </a:fld>
             <a:endParaRPr lang="en-US"/>
           </a:p>
@@ -393,7 +393,7 @@
           <a:p>
             <a:fld id="{690847EA-AC25-3D4E-89E1-FD3F6A9702B6}" type="datetimeFigureOut">
               <a:rPr lang="en-US" smtClean="0"/>
-              <a:t>2/24/22</a:t>
+              <a:t>1/25/2023</a:t>
             </a:fld>
             <a:endParaRPr lang="en-US"/>
           </a:p>
@@ -891,7 +891,7 @@
           <a:p>
             <a:fld id="{BE5295ED-3BAF-1140-8495-3D368771D6B1}" type="datetimeFigureOut">
               <a:rPr lang="en-US" smtClean="0"/>
-              <a:t>2/24/22</a:t>
+              <a:t>1/25/2023</a:t>
             </a:fld>
             <a:endParaRPr lang="en-US"/>
           </a:p>
@@ -1089,7 +1089,7 @@
           <a:p>
             <a:fld id="{BE5295ED-3BAF-1140-8495-3D368771D6B1}" type="datetimeFigureOut">
               <a:rPr lang="en-US" smtClean="0"/>
-              <a:t>2/24/22</a:t>
+              <a:t>1/25/2023</a:t>
             </a:fld>
             <a:endParaRPr lang="en-US"/>
           </a:p>
@@ -1297,7 +1297,7 @@
           <a:p>
             <a:fld id="{BE5295ED-3BAF-1140-8495-3D368771D6B1}" type="datetimeFigureOut">
               <a:rPr lang="en-US" smtClean="0"/>
-              <a:t>2/24/22</a:t>
+              <a:t>1/25/2023</a:t>
             </a:fld>
             <a:endParaRPr lang="en-US"/>
           </a:p>
@@ -1495,7 +1495,7 @@
           <a:p>
             <a:fld id="{BE5295ED-3BAF-1140-8495-3D368771D6B1}" type="datetimeFigureOut">
               <a:rPr lang="en-US" smtClean="0"/>
-              <a:t>2/24/22</a:t>
+              <a:t>1/25/2023</a:t>
             </a:fld>
             <a:endParaRPr lang="en-US"/>
           </a:p>
@@ -1770,7 +1770,7 @@
           <a:p>
             <a:fld id="{BE5295ED-3BAF-1140-8495-3D368771D6B1}" type="datetimeFigureOut">
               <a:rPr lang="en-US" smtClean="0"/>
-              <a:t>2/24/22</a:t>
+              <a:t>1/25/2023</a:t>
             </a:fld>
             <a:endParaRPr lang="en-US"/>
           </a:p>
@@ -2035,7 +2035,7 @@
           <a:p>
             <a:fld id="{BE5295ED-3BAF-1140-8495-3D368771D6B1}" type="datetimeFigureOut">
               <a:rPr lang="en-US" smtClean="0"/>
-              <a:t>2/24/22</a:t>
+              <a:t>1/25/2023</a:t>
             </a:fld>
             <a:endParaRPr lang="en-US"/>
           </a:p>
@@ -2447,7 +2447,7 @@
           <a:p>
             <a:fld id="{BE5295ED-3BAF-1140-8495-3D368771D6B1}" type="datetimeFigureOut">
               <a:rPr lang="en-US" smtClean="0"/>
-              <a:t>2/24/22</a:t>
+              <a:t>1/25/2023</a:t>
             </a:fld>
             <a:endParaRPr lang="en-US"/>
           </a:p>
@@ -2588,7 +2588,7 @@
           <a:p>
             <a:fld id="{BE5295ED-3BAF-1140-8495-3D368771D6B1}" type="datetimeFigureOut">
               <a:rPr lang="en-US" smtClean="0"/>
-              <a:t>2/24/22</a:t>
+              <a:t>1/25/2023</a:t>
             </a:fld>
             <a:endParaRPr lang="en-US"/>
           </a:p>
@@ -2701,7 +2701,7 @@
           <a:p>
             <a:fld id="{BE5295ED-3BAF-1140-8495-3D368771D6B1}" type="datetimeFigureOut">
               <a:rPr lang="en-US" smtClean="0"/>
-              <a:t>2/24/22</a:t>
+              <a:t>1/25/2023</a:t>
             </a:fld>
             <a:endParaRPr lang="en-US"/>
           </a:p>
@@ -3012,7 +3012,7 @@
           <a:p>
             <a:fld id="{BE5295ED-3BAF-1140-8495-3D368771D6B1}" type="datetimeFigureOut">
               <a:rPr lang="en-US" smtClean="0"/>
-              <a:t>2/24/22</a:t>
+              <a:t>1/25/2023</a:t>
             </a:fld>
             <a:endParaRPr lang="en-US"/>
           </a:p>
@@ -3303,7 +3303,7 @@
           <a:p>
             <a:fld id="{BE5295ED-3BAF-1140-8495-3D368771D6B1}" type="datetimeFigureOut">
               <a:rPr lang="en-US" smtClean="0"/>
-              <a:t>2/24/22</a:t>
+              <a:t>1/25/2023</a:t>
             </a:fld>
             <a:endParaRPr lang="en-US"/>
           </a:p>
@@ -3544,7 +3544,7 @@
           <a:p>
             <a:fld id="{BE5295ED-3BAF-1140-8495-3D368771D6B1}" type="datetimeFigureOut">
               <a:rPr lang="en-US" smtClean="0"/>
-              <a:t>2/24/22</a:t>
+              <a:t>1/25/2023</a:t>
             </a:fld>
             <a:endParaRPr lang="en-US"/>
           </a:p>
@@ -4084,8 +4084,8 @@
           <a:lstStyle/>
           <a:p>
             <a:r>
-              <a:rPr lang="en-US" dirty="0"/>
-              <a:t>Terence Parr</a:t>
+              <a:rPr lang="en-US"/>
+              <a:t>Mustafa Hajij</a:t>
             </a:r>
             <a:br>
               <a:rPr lang="en-US" dirty="0"/>
@@ -11645,8 +11645,8 @@
           </a:p>
         </p:txBody>
       </p:sp>
-      <mc:AlternateContent xmlns:mc="http://schemas.openxmlformats.org/markup-compatibility/2006">
-        <mc:Choice xmlns:a14="http://schemas.microsoft.com/office/drawing/2010/main" Requires="a14">
+      <mc:AlternateContent xmlns:mc="http://schemas.openxmlformats.org/markup-compatibility/2006" xmlns:a14="http://schemas.microsoft.com/office/drawing/2010/main">
+        <mc:Choice Requires="a14">
           <p:sp>
             <p:nvSpPr>
               <p:cNvPr id="3" name="Content Placeholder 2">
@@ -11788,7 +11788,7 @@
             </p:txBody>
           </p:sp>
         </mc:Choice>
-        <mc:Fallback>
+        <mc:Fallback xmlns="">
           <p:sp>
             <p:nvSpPr>
               <p:cNvPr id="3" name="Content Placeholder 2">
